--- a/HTML Tables.pptx
+++ b/HTML Tables.pptx
@@ -30,6 +30,8 @@
     <p:sldId id="278" r:id="rId24"/>
     <p:sldId id="279" r:id="rId25"/>
     <p:sldId id="280" r:id="rId26"/>
+    <p:sldId id="281" r:id="rId27"/>
+    <p:sldId id="282" r:id="rId28"/>
   </p:sldIdLst>
   <p:sldSz cx="12192000" cy="6858000"/>
   <p:notesSz cx="6858000" cy="9144000"/>
@@ -10879,7 +10881,7 @@
           <a:p>
             <a:r>
               <a:rPr lang="ru-RU" dirty="0" smtClean="0"/>
-              <a:t>Домашнее задание</a:t>
+              <a:t>Домашнее задание 1</a:t>
             </a:r>
             <a:endParaRPr lang="en-US" dirty="0"/>
           </a:p>
@@ -17869,6 +17871,349 @@
     <p:extLst>
       <p:ext uri="{BB962C8B-B14F-4D97-AF65-F5344CB8AC3E}">
         <p14:creationId xmlns:p14="http://schemas.microsoft.com/office/powerpoint/2010/main" val="473156205"/>
+      </p:ext>
+    </p:extLst>
+  </p:cSld>
+  <p:clrMapOvr>
+    <a:masterClrMapping/>
+  </p:clrMapOvr>
+  <p:timing>
+    <p:tnLst>
+      <p:par>
+        <p:cTn id="1" dur="indefinite" restart="never" nodeType="tmRoot"/>
+      </p:par>
+    </p:tnLst>
+  </p:timing>
+</p:sld>
+</file>
+
+<file path=ppt/slides/slide26.xml><?xml version="1.0" encoding="utf-8"?>
+<p:sld xmlns:a="http://schemas.openxmlformats.org/drawingml/2006/main" xmlns:r="http://schemas.openxmlformats.org/officeDocument/2006/relationships" xmlns:p="http://schemas.openxmlformats.org/presentationml/2006/main">
+  <p:cSld>
+    <p:spTree>
+      <p:nvGrpSpPr>
+        <p:cNvPr id="1" name=""/>
+        <p:cNvGrpSpPr/>
+        <p:nvPr/>
+      </p:nvGrpSpPr>
+      <p:grpSpPr>
+        <a:xfrm>
+          <a:off x="0" y="0"/>
+          <a:ext cx="0" cy="0"/>
+          <a:chOff x="0" y="0"/>
+          <a:chExt cx="0" cy="0"/>
+        </a:xfrm>
+      </p:grpSpPr>
+      <p:sp>
+        <p:nvSpPr>
+          <p:cNvPr id="2" name="Title 1"/>
+          <p:cNvSpPr>
+            <a:spLocks noGrp="1"/>
+          </p:cNvSpPr>
+          <p:nvPr>
+            <p:ph type="title"/>
+          </p:nvPr>
+        </p:nvSpPr>
+        <p:spPr/>
+        <p:txBody>
+          <a:bodyPr/>
+          <a:lstStyle/>
+          <a:p>
+            <a:r>
+              <a:rPr lang="ru-RU" dirty="0" smtClean="0"/>
+              <a:t>Домашнее задание 2</a:t>
+            </a:r>
+            <a:endParaRPr lang="en-US" dirty="0"/>
+          </a:p>
+        </p:txBody>
+      </p:sp>
+      <p:sp>
+        <p:nvSpPr>
+          <p:cNvPr id="3" name="Content Placeholder 2"/>
+          <p:cNvSpPr>
+            <a:spLocks noGrp="1"/>
+          </p:cNvSpPr>
+          <p:nvPr>
+            <p:ph idx="1"/>
+          </p:nvPr>
+        </p:nvSpPr>
+        <p:spPr/>
+        <p:txBody>
+          <a:bodyPr>
+            <a:normAutofit/>
+          </a:bodyPr>
+          <a:lstStyle/>
+          <a:p>
+            <a:pPr marL="0" indent="0">
+              <a:buNone/>
+            </a:pPr>
+            <a:r>
+              <a:rPr lang="ru-RU" dirty="0" smtClean="0"/>
+              <a:t>Написать </a:t>
+            </a:r>
+            <a:r>
+              <a:rPr lang="en-US" dirty="0" smtClean="0"/>
+              <a:t>html </a:t>
+            </a:r>
+            <a:r>
+              <a:rPr lang="ru-RU" dirty="0" smtClean="0"/>
+              <a:t>поздравление для кого-то из бабушек-дедушек, родителей, братиков-сестричек или друзей с наступающими праздниками, например, Новым годом.</a:t>
+            </a:r>
+            <a:r>
+              <a:rPr lang="en-US" dirty="0" smtClean="0"/>
+              <a:t> </a:t>
+            </a:r>
+            <a:r>
+              <a:rPr lang="ru-RU" dirty="0" smtClean="0"/>
+              <a:t>В задании использовать то, что мы учили на уроках.</a:t>
+            </a:r>
+          </a:p>
+          <a:p>
+            <a:pPr marL="0" indent="0">
+              <a:buNone/>
+            </a:pPr>
+            <a:r>
+              <a:rPr lang="ru-RU" dirty="0" smtClean="0"/>
+              <a:t>Посмотреть, как по почте отправить ваше поздравление и отправить его себе и мне</a:t>
+            </a:r>
+            <a:r>
+              <a:rPr lang="en-US" dirty="0" smtClean="0"/>
+              <a:t> </a:t>
+            </a:r>
+            <a:r>
+              <a:rPr lang="ru-RU" dirty="0" smtClean="0"/>
+              <a:t>на проверку: </a:t>
+            </a:r>
+            <a:r>
+              <a:rPr lang="en-US" dirty="0">
+                <a:hlinkClick r:id="rId2"/>
+              </a:rPr>
+              <a:t>https://</a:t>
+            </a:r>
+            <a:r>
+              <a:rPr lang="en-US" dirty="0" smtClean="0">
+                <a:hlinkClick r:id="rId2"/>
+              </a:rPr>
+              <a:t>www.youtube.com/watch?v=IpvgXne9JWU</a:t>
+            </a:r>
+            <a:endParaRPr lang="ru-RU" dirty="0" smtClean="0"/>
+          </a:p>
+          <a:p>
+            <a:pPr marL="0" indent="0">
+              <a:buNone/>
+            </a:pPr>
+            <a:r>
+              <a:rPr lang="ru-RU" dirty="0" smtClean="0"/>
+              <a:t>Мой и</a:t>
+            </a:r>
+            <a:r>
+              <a:rPr lang="en-US" dirty="0" smtClean="0"/>
+              <a:t>-</a:t>
+            </a:r>
+            <a:r>
+              <a:rPr lang="ru-RU" dirty="0" smtClean="0"/>
+              <a:t>мейл: </a:t>
+            </a:r>
+            <a:r>
+              <a:rPr lang="en-US" dirty="0" smtClean="0">
+                <a:hlinkClick r:id="rId3"/>
+              </a:rPr>
+              <a:t>Olexandra.Dmytrenko@gmail.com</a:t>
+            </a:r>
+            <a:endParaRPr lang="ru-RU" dirty="0" smtClean="0"/>
+          </a:p>
+        </p:txBody>
+      </p:sp>
+    </p:spTree>
+    <p:extLst>
+      <p:ext uri="{BB962C8B-B14F-4D97-AF65-F5344CB8AC3E}">
+        <p14:creationId xmlns:p14="http://schemas.microsoft.com/office/powerpoint/2010/main" val="4193740087"/>
+      </p:ext>
+    </p:extLst>
+  </p:cSld>
+  <p:clrMapOvr>
+    <a:masterClrMapping/>
+  </p:clrMapOvr>
+  <p:timing>
+    <p:tnLst>
+      <p:par>
+        <p:cTn id="1" dur="indefinite" restart="never" nodeType="tmRoot"/>
+      </p:par>
+    </p:tnLst>
+  </p:timing>
+</p:sld>
+</file>
+
+<file path=ppt/slides/slide27.xml><?xml version="1.0" encoding="utf-8"?>
+<p:sld xmlns:a="http://schemas.openxmlformats.org/drawingml/2006/main" xmlns:r="http://schemas.openxmlformats.org/officeDocument/2006/relationships" xmlns:p="http://schemas.openxmlformats.org/presentationml/2006/main">
+  <p:cSld>
+    <p:spTree>
+      <p:nvGrpSpPr>
+        <p:cNvPr id="1" name=""/>
+        <p:cNvGrpSpPr/>
+        <p:nvPr/>
+      </p:nvGrpSpPr>
+      <p:grpSpPr>
+        <a:xfrm>
+          <a:off x="0" y="0"/>
+          <a:ext cx="0" cy="0"/>
+          <a:chOff x="0" y="0"/>
+          <a:chExt cx="0" cy="0"/>
+        </a:xfrm>
+      </p:grpSpPr>
+      <p:sp>
+        <p:nvSpPr>
+          <p:cNvPr id="2" name="Title 1"/>
+          <p:cNvSpPr>
+            <a:spLocks noGrp="1"/>
+          </p:cNvSpPr>
+          <p:nvPr>
+            <p:ph type="title"/>
+          </p:nvPr>
+        </p:nvSpPr>
+        <p:spPr/>
+        <p:txBody>
+          <a:bodyPr/>
+          <a:lstStyle/>
+          <a:p>
+            <a:r>
+              <a:rPr lang="ru-RU" dirty="0" smtClean="0"/>
+              <a:t>В помощь</a:t>
+            </a:r>
+            <a:endParaRPr lang="en-US" dirty="0"/>
+          </a:p>
+        </p:txBody>
+      </p:sp>
+      <p:sp>
+        <p:nvSpPr>
+          <p:cNvPr id="3" name="Content Placeholder 2"/>
+          <p:cNvSpPr>
+            <a:spLocks noGrp="1"/>
+          </p:cNvSpPr>
+          <p:nvPr>
+            <p:ph idx="1"/>
+          </p:nvPr>
+        </p:nvSpPr>
+        <p:spPr/>
+        <p:txBody>
+          <a:bodyPr>
+            <a:normAutofit fontScale="92500" lnSpcReduction="10000"/>
+          </a:bodyPr>
+          <a:lstStyle/>
+          <a:p>
+            <a:pPr marL="0" indent="0">
+              <a:buNone/>
+            </a:pPr>
+            <a:r>
+              <a:rPr lang="ru-RU" dirty="0"/>
+              <a:t>Тут можно взять варианты для стилей кнопочек-ссылок: </a:t>
+            </a:r>
+            <a:r>
+              <a:rPr lang="en-US" dirty="0">
+                <a:hlinkClick r:id="rId2"/>
+              </a:rPr>
+              <a:t>http://</a:t>
+            </a:r>
+            <a:r>
+              <a:rPr lang="en-US" dirty="0" smtClean="0">
+                <a:hlinkClick r:id="rId2"/>
+              </a:rPr>
+              <a:t>shpargalkablog.ru/2012/04/css-knopki.html#on</a:t>
+            </a:r>
+            <a:endParaRPr lang="ru-RU" dirty="0" smtClean="0"/>
+          </a:p>
+          <a:p>
+            <a:pPr marL="0" indent="0">
+              <a:buNone/>
+            </a:pPr>
+            <a:endParaRPr lang="ru-RU" dirty="0"/>
+          </a:p>
+          <a:p>
+            <a:pPr marL="0" indent="0">
+              <a:buNone/>
+            </a:pPr>
+            <a:r>
+              <a:rPr lang="en-US" dirty="0" smtClean="0"/>
+              <a:t>GitHub</a:t>
+            </a:r>
+            <a:r>
+              <a:rPr lang="ru-RU" dirty="0" smtClean="0"/>
+              <a:t> </a:t>
+            </a:r>
+            <a:r>
+              <a:rPr lang="uk-UA" dirty="0" smtClean="0"/>
+              <a:t>с </a:t>
+            </a:r>
+            <a:r>
+              <a:rPr lang="uk-UA" dirty="0" err="1" smtClean="0"/>
+              <a:t>нашей</a:t>
+            </a:r>
+            <a:r>
+              <a:rPr lang="uk-UA" dirty="0" smtClean="0"/>
+              <a:t> </a:t>
+            </a:r>
+            <a:r>
+              <a:rPr lang="uk-UA" dirty="0" err="1" smtClean="0"/>
+              <a:t>табличкой</a:t>
+            </a:r>
+            <a:r>
+              <a:rPr lang="uk-UA" dirty="0" smtClean="0"/>
+              <a:t> </a:t>
+            </a:r>
+            <a:r>
+              <a:rPr lang="en-US" dirty="0" smtClean="0"/>
+              <a:t>: </a:t>
+            </a:r>
+            <a:r>
+              <a:rPr lang="en-US" dirty="0">
+                <a:hlinkClick r:id="rId3"/>
+              </a:rPr>
+              <a:t>https://github.com/olexandra-dmytrenko/HTML_For_Kids</a:t>
+            </a:r>
+            <a:endParaRPr lang="en-US" dirty="0"/>
+          </a:p>
+          <a:p>
+            <a:pPr marL="0" indent="0">
+              <a:buNone/>
+            </a:pPr>
+            <a:endParaRPr lang="uk-UA" dirty="0" smtClean="0"/>
+          </a:p>
+          <a:p>
+            <a:pPr marL="0" indent="0">
+              <a:buNone/>
+            </a:pPr>
+            <a:r>
+              <a:rPr lang="uk-UA" dirty="0" err="1" smtClean="0"/>
+              <a:t>Сс</a:t>
+            </a:r>
+            <a:r>
+              <a:rPr lang="ru-RU" dirty="0" err="1" smtClean="0"/>
+              <a:t>ылка</a:t>
+            </a:r>
+            <a:r>
+              <a:rPr lang="ru-RU" dirty="0" smtClean="0"/>
+              <a:t> на презентацию: </a:t>
+            </a:r>
+            <a:r>
+              <a:rPr lang="en-US" dirty="0">
+                <a:hlinkClick r:id="rId4"/>
+              </a:rPr>
+              <a:t>http://</a:t>
+            </a:r>
+            <a:r>
+              <a:rPr lang="en-US" dirty="0" smtClean="0">
+                <a:hlinkClick r:id="rId4"/>
+              </a:rPr>
+              <a:t>www.slideshare.net/OlexandraDmytrenko/html-tables-68333113</a:t>
+            </a:r>
+            <a:endParaRPr lang="ru-RU" dirty="0" smtClean="0"/>
+          </a:p>
+        </p:txBody>
+      </p:sp>
+    </p:spTree>
+    <p:extLst>
+      <p:ext uri="{BB962C8B-B14F-4D97-AF65-F5344CB8AC3E}">
+        <p14:creationId xmlns:p14="http://schemas.microsoft.com/office/powerpoint/2010/main" val="4088451720"/>
       </p:ext>
     </p:extLst>
   </p:cSld>
